--- a/xiachufang.pptx
+++ b/xiachufang.pptx
@@ -3576,14 +3576,14 @@
           <p:nvPr>
             <p:extLst>
               <p:ext uri="{D42A27DB-BD31-4B8C-83A1-F6EECF244321}">
-                <p14:modId xmlns:p14="http://schemas.microsoft.com/office/powerpoint/2010/main" val="1095117143"/>
+                <p14:modId xmlns:p14="http://schemas.microsoft.com/office/powerpoint/2010/main" val="480477971"/>
               </p:ext>
             </p:extLst>
           </p:nvPr>
         </p:nvGraphicFramePr>
         <p:xfrm>
           <a:off x="471488" y="2687319"/>
-          <a:ext cx="11201400" cy="2441894"/>
+          <a:ext cx="11201400" cy="2509995"/>
         </p:xfrm>
         <a:graphic>
           <a:graphicData uri="http://schemas.openxmlformats.org/drawingml/2006/table">
@@ -3606,14 +3606,14 @@
                     </a:ext>
                   </a:extLst>
                 </a:gridCol>
-                <a:gridCol w="923358">
+                <a:gridCol w="1031240">
                   <a:extLst>
                     <a:ext uri="{9D8B030D-6E8A-4147-A177-3AD203B41FA5}">
                       <a16:colId xmlns:a16="http://schemas.microsoft.com/office/drawing/2014/main" val="4203759007"/>
                     </a:ext>
                   </a:extLst>
                 </a:gridCol>
-                <a:gridCol w="635755">
+                <a:gridCol w="527873">
                   <a:extLst>
                     <a:ext uri="{9D8B030D-6E8A-4147-A177-3AD203B41FA5}">
                       <a16:colId xmlns:a16="http://schemas.microsoft.com/office/drawing/2014/main" val="625900654"/>
@@ -3985,6 +3985,13 @@
                         <a:t>2030</a:t>
                       </a:r>
                     </a:p>
+                    <a:p>
+                      <a:pPr algn="ctr"/>
+                      <a:r>
+                        <a:rPr lang="en-US" dirty="0"/>
+                        <a:t>(2012)</a:t>
+                      </a:r>
+                    </a:p>
                   </a:txBody>
                   <a:tcPr/>
                 </a:tc>
@@ -4006,6 +4013,37 @@
                         </a:rPr>
                         <a:t>776.01</a:t>
                       </a:r>
+                    </a:p>
+                    <a:p>
+                      <a:pPr marL="0" marR="0" lvl="0" indent="0" algn="ctr" defTabSz="914400" rtl="0" eaLnBrk="1" fontAlgn="auto" latinLnBrk="0" hangingPunct="1">
+                        <a:lnSpc>
+                          <a:spcPct val="100000"/>
+                        </a:lnSpc>
+                        <a:spcBef>
+                          <a:spcPts val="0"/>
+                        </a:spcBef>
+                        <a:spcAft>
+                          <a:spcPts val="0"/>
+                        </a:spcAft>
+                        <a:buClrTx/>
+                        <a:buSzTx/>
+                        <a:buFontTx/>
+                        <a:buNone/>
+                        <a:tabLst/>
+                        <a:defRPr/>
+                      </a:pPr>
+                      <a:r>
+                        <a:rPr lang="en-US" sz="1800" b="0" i="0" kern="1200" dirty="0">
+                          <a:solidFill>
+                            <a:schemeClr val="dk1"/>
+                          </a:solidFill>
+                          <a:effectLst/>
+                          <a:latin typeface="+mn-lt"/>
+                          <a:ea typeface="+mn-ea"/>
+                          <a:cs typeface="+mn-cs"/>
+                        </a:rPr>
+                        <a:t>(651.10)</a:t>
+                      </a:r>
                       <a:endParaRPr lang="en-US" dirty="0"/>
                     </a:p>
                   </a:txBody>
@@ -4043,6 +4081,37 @@
                         </a:rPr>
                         <a:t>36799</a:t>
                       </a:r>
+                    </a:p>
+                    <a:p>
+                      <a:pPr marL="0" marR="0" lvl="0" indent="0" algn="ctr" defTabSz="914400" rtl="0" eaLnBrk="1" fontAlgn="auto" latinLnBrk="0" hangingPunct="1">
+                        <a:lnSpc>
+                          <a:spcPct val="100000"/>
+                        </a:lnSpc>
+                        <a:spcBef>
+                          <a:spcPts val="0"/>
+                        </a:spcBef>
+                        <a:spcAft>
+                          <a:spcPts val="0"/>
+                        </a:spcAft>
+                        <a:buClrTx/>
+                        <a:buSzTx/>
+                        <a:buFontTx/>
+                        <a:buNone/>
+                        <a:tabLst/>
+                        <a:defRPr/>
+                      </a:pPr>
+                      <a:r>
+                        <a:rPr lang="en-US" sz="1800" b="0" i="0" kern="1200" dirty="0">
+                          <a:solidFill>
+                            <a:schemeClr val="dk1"/>
+                          </a:solidFill>
+                          <a:effectLst/>
+                          <a:latin typeface="+mn-lt"/>
+                          <a:ea typeface="+mn-ea"/>
+                          <a:cs typeface="+mn-cs"/>
+                        </a:rPr>
+                        <a:t>(7083)</a:t>
+                      </a:r>
                       <a:endParaRPr lang="en-US" dirty="0"/>
                     </a:p>
                   </a:txBody>
@@ -4164,6 +4233,13 @@
                         <a:t>1215</a:t>
                       </a:r>
                     </a:p>
+                    <a:p>
+                      <a:pPr algn="ctr"/>
+                      <a:r>
+                        <a:rPr lang="en-US" dirty="0"/>
+                        <a:t>(1197)</a:t>
+                      </a:r>
+                    </a:p>
                   </a:txBody>
                   <a:tcPr/>
                 </a:tc>
@@ -4176,6 +4252,29 @@
                       <a:r>
                         <a:rPr lang="en-US" dirty="0"/>
                         <a:t>959.39</a:t>
+                      </a:r>
+                    </a:p>
+                    <a:p>
+                      <a:pPr marL="0" marR="0" lvl="0" indent="0" algn="ctr" defTabSz="914400" rtl="0" eaLnBrk="1" fontAlgn="auto" latinLnBrk="0" hangingPunct="1">
+                        <a:lnSpc>
+                          <a:spcPct val="100000"/>
+                        </a:lnSpc>
+                        <a:spcBef>
+                          <a:spcPts val="0"/>
+                        </a:spcBef>
+                        <a:spcAft>
+                          <a:spcPts val="0"/>
+                        </a:spcAft>
+                        <a:buClrTx/>
+                        <a:buSzTx/>
+                        <a:buFontTx/>
+                        <a:buNone/>
+                        <a:tabLst/>
+                        <a:defRPr/>
+                      </a:pPr>
+                      <a:r>
+                        <a:rPr lang="en-US" dirty="0"/>
+                        <a:t>(753.71)</a:t>
                       </a:r>
                     </a:p>
                   </a:txBody>
@@ -4212,6 +4311,37 @@
                           <a:cs typeface="+mn-cs"/>
                         </a:rPr>
                         <a:t>68706</a:t>
+                      </a:r>
+                    </a:p>
+                    <a:p>
+                      <a:pPr marL="0" marR="0" lvl="0" indent="0" algn="ctr" defTabSz="914400" rtl="0" eaLnBrk="1" fontAlgn="auto" latinLnBrk="0" hangingPunct="1">
+                        <a:lnSpc>
+                          <a:spcPct val="100000"/>
+                        </a:lnSpc>
+                        <a:spcBef>
+                          <a:spcPts val="0"/>
+                        </a:spcBef>
+                        <a:spcAft>
+                          <a:spcPts val="0"/>
+                        </a:spcAft>
+                        <a:buClrTx/>
+                        <a:buSzTx/>
+                        <a:buFontTx/>
+                        <a:buNone/>
+                        <a:tabLst/>
+                        <a:defRPr/>
+                      </a:pPr>
+                      <a:r>
+                        <a:rPr lang="en-US" sz="1800" b="0" i="0" kern="1200" dirty="0">
+                          <a:solidFill>
+                            <a:schemeClr val="dk1"/>
+                          </a:solidFill>
+                          <a:effectLst/>
+                          <a:latin typeface="+mn-lt"/>
+                          <a:ea typeface="+mn-ea"/>
+                          <a:cs typeface="+mn-cs"/>
+                        </a:rPr>
+                        <a:t>(7009)</a:t>
                       </a:r>
                       <a:endParaRPr lang="en-US" dirty="0"/>
                     </a:p>
@@ -6396,7 +6526,7 @@
             <p:ph idx="1"/>
             <p:extLst>
               <p:ext uri="{D42A27DB-BD31-4B8C-83A1-F6EECF244321}">
-                <p14:modId xmlns:p14="http://schemas.microsoft.com/office/powerpoint/2010/main" val="1953966564"/>
+                <p14:modId xmlns:p14="http://schemas.microsoft.com/office/powerpoint/2010/main" val="3203547762"/>
               </p:ext>
             </p:extLst>
           </p:nvPr>
@@ -7100,7 +7230,7 @@
                       <a:pPr algn="ctr"/>
                       <a:r>
                         <a:rPr lang="en-US" dirty="0"/>
-                        <a:t>Fried pork with beans</a:t>
+                        <a:t>Stir fried pork with beans</a:t>
                       </a:r>
                     </a:p>
                   </a:txBody>
@@ -8955,39 +9085,9 @@
         </p:blipFill>
         <p:spPr>
           <a:xfrm>
-            <a:off x="372789" y="2441575"/>
+            <a:off x="3334407" y="2365375"/>
             <a:ext cx="5523186" cy="3943136"/>
           </a:xfrm>
-        </p:spPr>
-      </p:pic>
-      <p:pic>
-        <p:nvPicPr>
-          <p:cNvPr id="11" name="Picture 10" descr="A picture containing drawing&#10;&#10;Description automatically generated">
-            <a:extLst>
-              <a:ext uri="{FF2B5EF4-FFF2-40B4-BE49-F238E27FC236}">
-                <a16:creationId xmlns:a16="http://schemas.microsoft.com/office/drawing/2014/main" id="{4A935368-B549-2F47-966F-67E7A3869C5C}"/>
-              </a:ext>
-            </a:extLst>
-          </p:cNvPr>
-          <p:cNvPicPr>
-            <a:picLocks noChangeAspect="1"/>
-          </p:cNvPicPr>
-          <p:nvPr/>
-        </p:nvPicPr>
-        <p:blipFill>
-          <a:blip r:embed="rId3"/>
-          <a:stretch>
-            <a:fillRect/>
-          </a:stretch>
-        </p:blipFill>
-        <p:spPr>
-          <a:xfrm>
-            <a:off x="6450011" y="2441575"/>
-            <a:ext cx="5481239" cy="3943136"/>
-          </a:xfrm>
-          <a:prstGeom prst="rect">
-            <a:avLst/>
-          </a:prstGeom>
         </p:spPr>
       </p:pic>
     </p:spTree>
@@ -9151,14 +9251,14 @@
             <p:ph idx="1"/>
             <p:extLst>
               <p:ext uri="{D42A27DB-BD31-4B8C-83A1-F6EECF244321}">
-                <p14:modId xmlns:p14="http://schemas.microsoft.com/office/powerpoint/2010/main" val="843146566"/>
+                <p14:modId xmlns:p14="http://schemas.microsoft.com/office/powerpoint/2010/main" val="1843201833"/>
               </p:ext>
             </p:extLst>
           </p:nvPr>
         </p:nvGraphicFramePr>
         <p:xfrm>
           <a:off x="471488" y="2687319"/>
-          <a:ext cx="11201400" cy="2441894"/>
+          <a:ext cx="11201400" cy="2509995"/>
         </p:xfrm>
         <a:graphic>
           <a:graphicData uri="http://schemas.openxmlformats.org/drawingml/2006/table">
@@ -9181,21 +9281,21 @@
                     </a:ext>
                   </a:extLst>
                 </a:gridCol>
-                <a:gridCol w="923358">
+                <a:gridCol w="1053012">
                   <a:extLst>
                     <a:ext uri="{9D8B030D-6E8A-4147-A177-3AD203B41FA5}">
                       <a16:colId xmlns:a16="http://schemas.microsoft.com/office/drawing/2014/main" val="4203759007"/>
                     </a:ext>
                   </a:extLst>
                 </a:gridCol>
-                <a:gridCol w="635755">
+                <a:gridCol w="740228">
                   <a:extLst>
                     <a:ext uri="{9D8B030D-6E8A-4147-A177-3AD203B41FA5}">
                       <a16:colId xmlns:a16="http://schemas.microsoft.com/office/drawing/2014/main" val="625900654"/>
                     </a:ext>
                   </a:extLst>
                 </a:gridCol>
-                <a:gridCol w="1195826">
+                <a:gridCol w="961699">
                   <a:extLst>
                     <a:ext uri="{9D8B030D-6E8A-4147-A177-3AD203B41FA5}">
                       <a16:colId xmlns:a16="http://schemas.microsoft.com/office/drawing/2014/main" val="1284505668"/>
@@ -9567,6 +9667,21 @@
                         </a:rPr>
                         <a:t>2245</a:t>
                       </a:r>
+                    </a:p>
+                    <a:p>
+                      <a:pPr algn="ctr"/>
+                      <a:r>
+                        <a:rPr lang="en-US" sz="1800" b="0" i="0" kern="1200" dirty="0">
+                          <a:solidFill>
+                            <a:schemeClr val="dk1"/>
+                          </a:solidFill>
+                          <a:effectLst/>
+                          <a:latin typeface="+mn-lt"/>
+                          <a:ea typeface="+mn-ea"/>
+                          <a:cs typeface="+mn-cs"/>
+                        </a:rPr>
+                        <a:t>(2223)</a:t>
+                      </a:r>
                       <a:endParaRPr lang="en-US" dirty="0"/>
                     </a:p>
                   </a:txBody>
@@ -9590,7 +9705,21 @@
                         </a:rPr>
                         <a:t>786.53</a:t>
                       </a:r>
-                      <a:endParaRPr lang="en-US" dirty="0"/>
+                    </a:p>
+                    <a:p>
+                      <a:pPr algn="ctr"/>
+                      <a:r>
+                        <a:rPr lang="en-US" sz="1800" b="0" i="0" kern="1200" dirty="0">
+                          <a:solidFill>
+                            <a:schemeClr val="dk1"/>
+                          </a:solidFill>
+                          <a:effectLst/>
+                          <a:latin typeface="+mn-lt"/>
+                          <a:ea typeface="+mn-ea"/>
+                          <a:cs typeface="+mn-cs"/>
+                        </a:rPr>
+                        <a:t>(664.19)</a:t>
+                      </a:r>
                     </a:p>
                   </a:txBody>
                   <a:tcPr/>
@@ -9627,7 +9756,21 @@
                         </a:rPr>
                         <a:t>24704</a:t>
                       </a:r>
-                      <a:endParaRPr lang="en-US" dirty="0"/>
+                    </a:p>
+                    <a:p>
+                      <a:pPr algn="ctr"/>
+                      <a:r>
+                        <a:rPr lang="en-US" sz="1800" b="0" i="0" kern="1200" dirty="0">
+                          <a:solidFill>
+                            <a:schemeClr val="dk1"/>
+                          </a:solidFill>
+                          <a:effectLst/>
+                          <a:latin typeface="+mn-lt"/>
+                          <a:ea typeface="+mn-ea"/>
+                          <a:cs typeface="+mn-cs"/>
+                        </a:rPr>
+                        <a:t>(7083)</a:t>
+                      </a:r>
                     </a:p>
                   </a:txBody>
                   <a:tcPr/>
@@ -9764,6 +9907,21 @@
                         </a:rPr>
                         <a:t>1000</a:t>
                       </a:r>
+                    </a:p>
+                    <a:p>
+                      <a:pPr algn="ctr"/>
+                      <a:r>
+                        <a:rPr lang="en-US" sz="1800" b="0" i="0" kern="1200" dirty="0">
+                          <a:solidFill>
+                            <a:schemeClr val="dk1"/>
+                          </a:solidFill>
+                          <a:effectLst/>
+                          <a:latin typeface="+mn-lt"/>
+                          <a:ea typeface="+mn-ea"/>
+                          <a:cs typeface="+mn-cs"/>
+                        </a:rPr>
+                        <a:t>(986)</a:t>
+                      </a:r>
                       <a:endParaRPr lang="en-US" dirty="0"/>
                     </a:p>
                   </a:txBody>
@@ -9779,6 +9937,22 @@
                         <a:rPr lang="en-US" dirty="0"/>
                         <a:t>975.21</a:t>
                       </a:r>
+                    </a:p>
+                    <a:p>
+                      <a:pPr algn="ctr"/>
+                      <a:r>
+                        <a:rPr lang="en-US" sz="1800" b="0" i="0" kern="1200" dirty="0">
+                          <a:solidFill>
+                            <a:schemeClr val="dk1"/>
+                          </a:solidFill>
+                          <a:effectLst/>
+                          <a:latin typeface="+mn-lt"/>
+                          <a:ea typeface="+mn-ea"/>
+                          <a:cs typeface="+mn-cs"/>
+                        </a:rPr>
+                        <a:t>(746.17)</a:t>
+                      </a:r>
+                      <a:endParaRPr lang="en-US" dirty="0"/>
                     </a:p>
                   </a:txBody>
                   <a:tcPr/>
@@ -9815,7 +9989,21 @@
                         </a:rPr>
                         <a:t>68706</a:t>
                       </a:r>
-                      <a:endParaRPr lang="en-US" dirty="0"/>
+                    </a:p>
+                    <a:p>
+                      <a:pPr algn="ctr"/>
+                      <a:r>
+                        <a:rPr lang="en-US" sz="1800" b="0" i="0" kern="1200" dirty="0">
+                          <a:solidFill>
+                            <a:schemeClr val="dk1"/>
+                          </a:solidFill>
+                          <a:effectLst/>
+                          <a:latin typeface="+mn-lt"/>
+                          <a:ea typeface="+mn-ea"/>
+                          <a:cs typeface="+mn-cs"/>
+                        </a:rPr>
+                        <a:t>(6851)</a:t>
+                      </a:r>
                     </a:p>
                   </a:txBody>
                   <a:tcPr/>
@@ -10074,7 +10262,7 @@
           <p:nvPr>
             <p:extLst>
               <p:ext uri="{D42A27DB-BD31-4B8C-83A1-F6EECF244321}">
-                <p14:modId xmlns:p14="http://schemas.microsoft.com/office/powerpoint/2010/main" val="539553953"/>
+                <p14:modId xmlns:p14="http://schemas.microsoft.com/office/powerpoint/2010/main" val="1091536702"/>
               </p:ext>
             </p:extLst>
           </p:nvPr>
@@ -10104,21 +10292,21 @@
                     </a:ext>
                   </a:extLst>
                 </a:gridCol>
-                <a:gridCol w="923358">
+                <a:gridCol w="1072743">
                   <a:extLst>
                     <a:ext uri="{9D8B030D-6E8A-4147-A177-3AD203B41FA5}">
                       <a16:colId xmlns:a16="http://schemas.microsoft.com/office/drawing/2014/main" val="4203759007"/>
                     </a:ext>
                   </a:extLst>
                 </a:gridCol>
-                <a:gridCol w="635755">
+                <a:gridCol w="609600">
                   <a:extLst>
                     <a:ext uri="{9D8B030D-6E8A-4147-A177-3AD203B41FA5}">
                       <a16:colId xmlns:a16="http://schemas.microsoft.com/office/drawing/2014/main" val="625900654"/>
                     </a:ext>
                   </a:extLst>
                 </a:gridCol>
-                <a:gridCol w="1195826">
+                <a:gridCol w="1072596">
                   <a:extLst>
                     <a:ext uri="{9D8B030D-6E8A-4147-A177-3AD203B41FA5}">
                       <a16:colId xmlns:a16="http://schemas.microsoft.com/office/drawing/2014/main" val="1284505668"/>
@@ -10490,6 +10678,21 @@
                         </a:rPr>
                         <a:t>982</a:t>
                       </a:r>
+                    </a:p>
+                    <a:p>
+                      <a:pPr algn="ctr"/>
+                      <a:r>
+                        <a:rPr lang="en-US" sz="1800" b="0" i="0" kern="1200" dirty="0">
+                          <a:solidFill>
+                            <a:schemeClr val="dk1"/>
+                          </a:solidFill>
+                          <a:effectLst/>
+                          <a:latin typeface="+mn-lt"/>
+                          <a:ea typeface="+mn-ea"/>
+                          <a:cs typeface="+mn-cs"/>
+                        </a:rPr>
+                        <a:t>(979)</a:t>
+                      </a:r>
                       <a:endParaRPr lang="en-US" dirty="0"/>
                     </a:p>
                   </a:txBody>
@@ -10513,6 +10716,21 @@
                         </a:rPr>
                         <a:t>608.42</a:t>
                       </a:r>
+                    </a:p>
+                    <a:p>
+                      <a:pPr algn="ctr"/>
+                      <a:r>
+                        <a:rPr lang="en-US" sz="1800" b="0" i="0" kern="1200" dirty="0">
+                          <a:solidFill>
+                            <a:schemeClr val="dk1"/>
+                          </a:solidFill>
+                          <a:effectLst/>
+                          <a:latin typeface="+mn-lt"/>
+                          <a:ea typeface="+mn-ea"/>
+                          <a:cs typeface="+mn-cs"/>
+                        </a:rPr>
+                        <a:t>(584.27)</a:t>
+                      </a:r>
                       <a:endParaRPr lang="en-US" dirty="0"/>
                     </a:p>
                   </a:txBody>
@@ -10550,6 +10768,21 @@
                         </a:rPr>
                         <a:t>9976</a:t>
                       </a:r>
+                    </a:p>
+                    <a:p>
+                      <a:pPr algn="ctr"/>
+                      <a:r>
+                        <a:rPr lang="en-US" sz="1800" b="0" i="0" kern="1200" dirty="0">
+                          <a:solidFill>
+                            <a:schemeClr val="dk1"/>
+                          </a:solidFill>
+                          <a:effectLst/>
+                          <a:latin typeface="+mn-lt"/>
+                          <a:ea typeface="+mn-ea"/>
+                          <a:cs typeface="+mn-cs"/>
+                        </a:rPr>
+                        <a:t>(6259)</a:t>
+                      </a:r>
                       <a:endParaRPr lang="en-US" dirty="0"/>
                     </a:p>
                   </a:txBody>
@@ -10680,6 +10913,26 @@
                         <a:t>2263</a:t>
                       </a:r>
                     </a:p>
+                    <a:p>
+                      <a:pPr algn="ctr"/>
+                      <a:r>
+                        <a:rPr lang="en-US" dirty="0"/>
+                        <a:t>(</a:t>
+                      </a:r>
+                      <a:r>
+                        <a:rPr lang="en-US" sz="1800" b="0" i="0" kern="1200" dirty="0">
+                          <a:solidFill>
+                            <a:schemeClr val="dk1"/>
+                          </a:solidFill>
+                          <a:effectLst/>
+                          <a:latin typeface="+mn-lt"/>
+                          <a:ea typeface="+mn-ea"/>
+                          <a:cs typeface="+mn-cs"/>
+                        </a:rPr>
+                        <a:t>2230)</a:t>
+                      </a:r>
+                      <a:endParaRPr lang="en-US" dirty="0"/>
+                    </a:p>
                   </a:txBody>
                   <a:tcPr/>
                 </a:tc>
@@ -10693,6 +10946,26 @@
                         <a:rPr lang="en-US" dirty="0"/>
                         <a:t>947.20</a:t>
                       </a:r>
+                    </a:p>
+                    <a:p>
+                      <a:pPr algn="ctr"/>
+                      <a:r>
+                        <a:rPr lang="en-US" dirty="0"/>
+                        <a:t>(</a:t>
+                      </a:r>
+                      <a:r>
+                        <a:rPr lang="en-US" sz="1800" b="0" i="0" kern="1200" dirty="0">
+                          <a:solidFill>
+                            <a:schemeClr val="dk1"/>
+                          </a:solidFill>
+                          <a:effectLst/>
+                          <a:latin typeface="+mn-lt"/>
+                          <a:ea typeface="+mn-ea"/>
+                          <a:cs typeface="+mn-cs"/>
+                        </a:rPr>
+                        <a:t>735.52)</a:t>
+                      </a:r>
+                      <a:endParaRPr lang="en-US" dirty="0"/>
                     </a:p>
                   </a:txBody>
                   <a:tcPr/>
@@ -10728,6 +11001,21 @@
                           <a:cs typeface="+mn-cs"/>
                         </a:rPr>
                         <a:t>68706</a:t>
+                      </a:r>
+                    </a:p>
+                    <a:p>
+                      <a:pPr algn="ctr"/>
+                      <a:r>
+                        <a:rPr lang="en-US" sz="1800" b="0" i="0" kern="1200">
+                          <a:solidFill>
+                            <a:schemeClr val="dk1"/>
+                          </a:solidFill>
+                          <a:effectLst/>
+                          <a:latin typeface="+mn-lt"/>
+                          <a:ea typeface="+mn-ea"/>
+                          <a:cs typeface="+mn-cs"/>
+                        </a:rPr>
+                        <a:t>(7083)</a:t>
                       </a:r>
                       <a:endParaRPr lang="en-US" dirty="0"/>
                     </a:p>
